--- a/ppt/R-02-Variables.pptx
+++ b/ppt/R-02-Variables.pptx
@@ -4887,15 +4887,13 @@
           <a:p>
             <a:r>
               <a:rPr lang="fr-FR" dirty="0" smtClean="0"/>
-              <a:t>R peut s'éditer avec n'importe quel éditeur</a:t>
-            </a:r>
-          </a:p>
-          <a:p>
-            <a:pPr lvl="1"/>
-            <a:r>
-              <a:rPr lang="fr-FR" dirty="0" smtClean="0"/>
-              <a:t>Notepad</a:t>
-            </a:r>
+              <a:t>R peut s'éditer avec n'importe quel </a:t>
+            </a:r>
+            <a:r>
+              <a:rPr lang="fr-FR" dirty="0" smtClean="0"/>
+              <a:t>éditeur</a:t>
+            </a:r>
+            <a:endParaRPr lang="fr-FR" dirty="0" smtClean="0"/>
           </a:p>
           <a:p>
             <a:r>
@@ -4903,7 +4901,7 @@
               <a:t>L'éditeur de référence est </a:t>
             </a:r>
             <a:r>
-              <a:rPr lang="fr-FR" smtClean="0"/>
+              <a:rPr lang="fr-FR" dirty="0" err="1" smtClean="0"/>
               <a:t>RStudio</a:t>
             </a:r>
             <a:endParaRPr lang="fr-FR" dirty="0" smtClean="0"/>
@@ -4970,7 +4968,7 @@
         </p:blipFill>
         <p:spPr bwMode="auto">
           <a:xfrm>
-            <a:off x="3491880" y="2924944"/>
+            <a:off x="3635896" y="2420888"/>
             <a:ext cx="5001477" cy="2813331"/>
           </a:xfrm>
           <a:prstGeom prst="rect">
@@ -5583,20 +5581,12 @@
               <a:t>Généralement un données volumineuse ou </a:t>
             </a:r>
             <a:r>
-              <a:rPr lang="fr-FR" dirty="0" err="1" smtClean="0"/>
-              <a:t>issude</a:t>
-            </a:r>
-            <a:r>
-              <a:rPr lang="fr-FR" dirty="0" smtClean="0"/>
-              <a:t> d'</a:t>
-            </a:r>
-            <a:r>
-              <a:rPr lang="fr-FR" dirty="0" err="1" smtClean="0"/>
-              <a:t>unc</a:t>
-            </a:r>
-            <a:r>
-              <a:rPr lang="fr-FR" dirty="0" smtClean="0"/>
-              <a:t> calcul complexe</a:t>
+              <a:rPr lang="fr-FR" dirty="0" smtClean="0"/>
+              <a:t>issue d'un c </a:t>
+            </a:r>
+            <a:r>
+              <a:rPr lang="fr-FR" dirty="0" smtClean="0"/>
+              <a:t>calcul complexe</a:t>
             </a:r>
           </a:p>
           <a:p>
@@ -5619,18 +5609,14 @@
             </a:r>
             <a:r>
               <a:rPr lang="fr-FR" dirty="0"/>
-              <a:t> file="</a:t>
-            </a:r>
-            <a:r>
-              <a:rPr lang="fr-FR" dirty="0" err="1"/>
-              <a:t>donnees</a:t>
-            </a:r>
-            <a:r>
-              <a:rPr lang="fr-FR" dirty="0"/>
-              <a:t>/</a:t>
-            </a:r>
-            <a:r>
-              <a:rPr lang="fr-FR" dirty="0" err="1"/>
+              <a:t> </a:t>
+            </a:r>
+            <a:r>
+              <a:rPr lang="fr-FR" dirty="0" smtClean="0"/>
+              <a:t>file="</a:t>
+            </a:r>
+            <a:r>
+              <a:rPr lang="fr-FR" dirty="0" err="1" smtClean="0"/>
               <a:t>resultat.RData</a:t>
             </a:r>
             <a:r>
@@ -5648,29 +5634,16 @@
               <a:rPr lang="fr-FR" dirty="0" smtClean="0"/>
               <a:t> peut être un vecteur de variable</a:t>
             </a:r>
-            <a:endParaRPr lang="fr-FR" dirty="0" smtClean="0"/>
           </a:p>
           <a:p>
             <a:pPr lvl="1"/>
             <a:r>
-              <a:rPr lang="fr-FR" dirty="0" err="1"/>
+              <a:rPr lang="fr-FR" dirty="0" err="1" smtClean="0"/>
               <a:t>load</a:t>
             </a:r>
             <a:r>
-              <a:rPr lang="fr-FR" dirty="0"/>
-              <a:t>("</a:t>
-            </a:r>
-            <a:r>
-              <a:rPr lang="fr-FR" dirty="0" err="1"/>
-              <a:t>donnees</a:t>
-            </a:r>
-            <a:r>
-              <a:rPr lang="fr-FR" dirty="0"/>
-              <a:t>/</a:t>
-            </a:r>
-            <a:r>
-              <a:rPr lang="fr-FR" dirty="0" err="1"/>
-              <a:t>resultat.RData</a:t>
+              <a:rPr lang="fr-FR" smtClean="0"/>
+              <a:t>("resultat.RData</a:t>
             </a:r>
             <a:r>
               <a:rPr lang="fr-FR" dirty="0" smtClean="0"/>
@@ -5689,11 +5662,7 @@
             </a:r>
             <a:r>
               <a:rPr lang="fr-FR" dirty="0" smtClean="0"/>
-              <a:t> est </a:t>
-            </a:r>
-            <a:r>
-              <a:rPr lang="fr-FR" dirty="0" smtClean="0"/>
-              <a:t>recréée</a:t>
+              <a:t> est recréée</a:t>
             </a:r>
           </a:p>
           <a:p>
@@ -5713,7 +5682,6 @@
               <a:rPr lang="fr-FR" dirty="0" smtClean="0"/>
               <a:t>Sauvegarde toutes les variables</a:t>
             </a:r>
-            <a:endParaRPr lang="fr-FR" dirty="0" smtClean="0"/>
           </a:p>
           <a:p>
             <a:pPr lvl="1"/>

--- a/ppt/R-02-Variables.pptx
+++ b/ppt/R-02-Variables.pptx
@@ -4887,13 +4887,8 @@
           <a:p>
             <a:r>
               <a:rPr lang="fr-FR" dirty="0" smtClean="0"/>
-              <a:t>R peut s'éditer avec n'importe quel </a:t>
-            </a:r>
-            <a:r>
-              <a:rPr lang="fr-FR" dirty="0" smtClean="0"/>
-              <a:t>éditeur</a:t>
-            </a:r>
-            <a:endParaRPr lang="fr-FR" dirty="0" smtClean="0"/>
+              <a:t>R peut s'éditer avec n'importe quel éditeur</a:t>
+            </a:r>
           </a:p>
           <a:p>
             <a:r>
@@ -5578,15 +5573,7 @@
             <a:pPr lvl="1"/>
             <a:r>
               <a:rPr lang="fr-FR" dirty="0" smtClean="0"/>
-              <a:t>Généralement un données volumineuse ou </a:t>
-            </a:r>
-            <a:r>
-              <a:rPr lang="fr-FR" dirty="0" smtClean="0"/>
-              <a:t>issue d'un c </a:t>
-            </a:r>
-            <a:r>
-              <a:rPr lang="fr-FR" dirty="0" smtClean="0"/>
-              <a:t>calcul complexe</a:t>
+              <a:t>Généralement un données volumineuse ou issue d'un c calcul complexe</a:t>
             </a:r>
           </a:p>
           <a:p>
@@ -5789,7 +5776,25 @@
             <a:pPr lvl="1"/>
             <a:r>
               <a:rPr lang="fr-FR" dirty="0" smtClean="0"/>
-              <a:t>3.14 -&gt; x</a:t>
+              <a:t>3.14 -&gt; </a:t>
+            </a:r>
+            <a:r>
+              <a:rPr lang="fr-FR" dirty="0" smtClean="0"/>
+              <a:t>x</a:t>
+            </a:r>
+          </a:p>
+          <a:p>
+            <a:r>
+              <a:rPr lang="fr-FR" dirty="0" smtClean="0"/>
+              <a:t>Le = est </a:t>
+            </a:r>
+            <a:r>
+              <a:rPr lang="fr-FR" smtClean="0"/>
+              <a:t>maitenant</a:t>
+            </a:r>
+            <a:r>
+              <a:rPr lang="fr-FR" dirty="0" smtClean="0"/>
+              <a:t> accepté</a:t>
             </a:r>
             <a:endParaRPr lang="fr-FR" dirty="0"/>
           </a:p>

--- a/ppt/R-02-Variables.pptx
+++ b/ppt/R-02-Variables.pptx
@@ -625,35 +625,35 @@
           <a:p>
             <a:pPr lvl="0"/>
             <a:r>
-              <a:rPr lang="fr-FR" noProof="0" smtClean="0"/>
+              <a:rPr lang="fr-FR" noProof="0"/>
               <a:t>Cliquez pour modifier les styles du texte du masque</a:t>
             </a:r>
           </a:p>
           <a:p>
             <a:pPr lvl="1"/>
             <a:r>
-              <a:rPr lang="fr-FR" noProof="0" smtClean="0"/>
+              <a:rPr lang="fr-FR" noProof="0"/>
               <a:t>Deuxième niveau</a:t>
             </a:r>
           </a:p>
           <a:p>
             <a:pPr lvl="2"/>
             <a:r>
-              <a:rPr lang="fr-FR" noProof="0" smtClean="0"/>
+              <a:rPr lang="fr-FR" noProof="0"/>
               <a:t>Troisième niveau</a:t>
             </a:r>
           </a:p>
           <a:p>
             <a:pPr lvl="3"/>
             <a:r>
-              <a:rPr lang="fr-FR" noProof="0" smtClean="0"/>
+              <a:rPr lang="fr-FR" noProof="0"/>
               <a:t>Quatrième niveau</a:t>
             </a:r>
           </a:p>
           <a:p>
             <a:pPr lvl="4"/>
             <a:r>
-              <a:rPr lang="fr-FR" noProof="0" smtClean="0"/>
+              <a:rPr lang="fr-FR" noProof="0"/>
               <a:t>Cinquième niveau</a:t>
             </a:r>
           </a:p>
@@ -941,10 +941,9 @@
           <a:lstStyle/>
           <a:p>
             <a:r>
-              <a:rPr lang="fr-FR" smtClean="0"/>
+              <a:rPr lang="fr-FR"/>
               <a:t>Cliquez pour modifier le style du titre</a:t>
             </a:r>
-            <a:endParaRPr lang="fr-FR"/>
           </a:p>
         </p:txBody>
       </p:sp>
@@ -1006,10 +1005,9 @@
           </a:lstStyle>
           <a:p>
             <a:r>
-              <a:rPr lang="fr-FR" smtClean="0"/>
+              <a:rPr lang="fr-FR"/>
               <a:t>Cliquez pour modifier le style des sous-titres du masque</a:t>
             </a:r>
-            <a:endParaRPr lang="fr-FR"/>
           </a:p>
         </p:txBody>
       </p:sp>
@@ -1064,10 +1062,9 @@
           <a:lstStyle/>
           <a:p>
             <a:r>
-              <a:rPr lang="fr-FR" smtClean="0"/>
+              <a:rPr lang="fr-FR"/>
               <a:t>Cliquez pour modifier le style du titre</a:t>
             </a:r>
-            <a:endParaRPr lang="fr-FR"/>
           </a:p>
         </p:txBody>
       </p:sp>
@@ -1093,38 +1090,37 @@
           <a:p>
             <a:pPr lvl="0"/>
             <a:r>
-              <a:rPr lang="fr-FR" smtClean="0"/>
+              <a:rPr lang="fr-FR"/>
               <a:t>Cliquez pour modifier les styles du texte du masque</a:t>
             </a:r>
           </a:p>
           <a:p>
             <a:pPr lvl="1"/>
             <a:r>
-              <a:rPr lang="fr-FR" smtClean="0"/>
+              <a:rPr lang="fr-FR"/>
               <a:t>Deuxième niveau</a:t>
             </a:r>
           </a:p>
           <a:p>
             <a:pPr lvl="2"/>
             <a:r>
-              <a:rPr lang="fr-FR" smtClean="0"/>
+              <a:rPr lang="fr-FR"/>
               <a:t>Troisième niveau</a:t>
             </a:r>
           </a:p>
           <a:p>
             <a:pPr lvl="3"/>
             <a:r>
-              <a:rPr lang="fr-FR" smtClean="0"/>
+              <a:rPr lang="fr-FR"/>
               <a:t>Quatrième niveau</a:t>
             </a:r>
           </a:p>
           <a:p>
             <a:pPr lvl="4"/>
             <a:r>
-              <a:rPr lang="fr-FR" smtClean="0"/>
+              <a:rPr lang="fr-FR"/>
               <a:t>Cinquième niveau</a:t>
             </a:r>
-            <a:endParaRPr lang="fr-FR"/>
           </a:p>
         </p:txBody>
       </p:sp>
@@ -1183,10 +1179,9 @@
           </a:lstStyle>
           <a:p>
             <a:r>
-              <a:rPr lang="fr-FR" dirty="0" smtClean="0"/>
+              <a:rPr lang="fr-FR" dirty="0"/>
               <a:t>Cliquez pour modifier le style du titre</a:t>
             </a:r>
-            <a:endParaRPr lang="fr-FR" dirty="0"/>
           </a:p>
         </p:txBody>
       </p:sp>
@@ -1212,38 +1207,37 @@
           <a:p>
             <a:pPr lvl="0"/>
             <a:r>
-              <a:rPr lang="fr-FR" dirty="0" smtClean="0"/>
+              <a:rPr lang="fr-FR" dirty="0"/>
               <a:t>Cliquez pour modifier les styles du texte du masque</a:t>
             </a:r>
           </a:p>
           <a:p>
             <a:pPr lvl="1"/>
             <a:r>
-              <a:rPr lang="fr-FR" dirty="0" smtClean="0"/>
+              <a:rPr lang="fr-FR" dirty="0"/>
               <a:t>Deuxième niveau</a:t>
             </a:r>
           </a:p>
           <a:p>
             <a:pPr lvl="2"/>
             <a:r>
-              <a:rPr lang="fr-FR" dirty="0" smtClean="0"/>
+              <a:rPr lang="fr-FR" dirty="0"/>
               <a:t>Troisième niveau</a:t>
             </a:r>
           </a:p>
           <a:p>
             <a:pPr lvl="3"/>
             <a:r>
-              <a:rPr lang="fr-FR" dirty="0" smtClean="0"/>
+              <a:rPr lang="fr-FR" dirty="0"/>
               <a:t>Quatrième niveau</a:t>
             </a:r>
           </a:p>
           <a:p>
             <a:pPr lvl="4"/>
             <a:r>
-              <a:rPr lang="fr-FR" dirty="0" smtClean="0"/>
+              <a:rPr lang="fr-FR" dirty="0"/>
               <a:t>Cinquième niveau</a:t>
             </a:r>
-            <a:endParaRPr lang="fr-FR" dirty="0"/>
           </a:p>
         </p:txBody>
       </p:sp>
@@ -1293,10 +1287,9 @@
           <a:lstStyle/>
           <a:p>
             <a:r>
-              <a:rPr lang="fr-FR" smtClean="0"/>
+              <a:rPr lang="fr-FR"/>
               <a:t>Cliquez pour modifier le style du titre</a:t>
             </a:r>
-            <a:endParaRPr lang="fr-FR"/>
           </a:p>
         </p:txBody>
       </p:sp>
@@ -1350,38 +1343,37 @@
           <a:p>
             <a:pPr lvl="0"/>
             <a:r>
-              <a:rPr lang="fr-FR" smtClean="0"/>
+              <a:rPr lang="fr-FR"/>
               <a:t>Cliquez pour modifier les styles du texte du masque</a:t>
             </a:r>
           </a:p>
           <a:p>
             <a:pPr lvl="1"/>
             <a:r>
-              <a:rPr lang="fr-FR" smtClean="0"/>
+              <a:rPr lang="fr-FR"/>
               <a:t>Deuxième niveau</a:t>
             </a:r>
           </a:p>
           <a:p>
             <a:pPr lvl="2"/>
             <a:r>
-              <a:rPr lang="fr-FR" smtClean="0"/>
+              <a:rPr lang="fr-FR"/>
               <a:t>Troisième niveau</a:t>
             </a:r>
           </a:p>
           <a:p>
             <a:pPr lvl="3"/>
             <a:r>
-              <a:rPr lang="fr-FR" smtClean="0"/>
+              <a:rPr lang="fr-FR"/>
               <a:t>Quatrième niveau</a:t>
             </a:r>
           </a:p>
           <a:p>
             <a:pPr lvl="4"/>
             <a:r>
-              <a:rPr lang="fr-FR" smtClean="0"/>
+              <a:rPr lang="fr-FR"/>
               <a:t>Cinquième niveau</a:t>
             </a:r>
-            <a:endParaRPr lang="fr-FR"/>
           </a:p>
         </p:txBody>
       </p:sp>
@@ -1435,38 +1427,37 @@
           <a:p>
             <a:pPr lvl="0"/>
             <a:r>
-              <a:rPr lang="fr-FR" smtClean="0"/>
+              <a:rPr lang="fr-FR"/>
               <a:t>Cliquez pour modifier les styles du texte du masque</a:t>
             </a:r>
           </a:p>
           <a:p>
             <a:pPr lvl="1"/>
             <a:r>
-              <a:rPr lang="fr-FR" smtClean="0"/>
+              <a:rPr lang="fr-FR"/>
               <a:t>Deuxième niveau</a:t>
             </a:r>
           </a:p>
           <a:p>
             <a:pPr lvl="2"/>
             <a:r>
-              <a:rPr lang="fr-FR" smtClean="0"/>
+              <a:rPr lang="fr-FR"/>
               <a:t>Troisième niveau</a:t>
             </a:r>
           </a:p>
           <a:p>
             <a:pPr lvl="3"/>
             <a:r>
-              <a:rPr lang="fr-FR" smtClean="0"/>
+              <a:rPr lang="fr-FR"/>
               <a:t>Quatrième niveau</a:t>
             </a:r>
           </a:p>
           <a:p>
             <a:pPr lvl="4"/>
             <a:r>
-              <a:rPr lang="fr-FR" smtClean="0"/>
+              <a:rPr lang="fr-FR"/>
               <a:t>Cinquième niveau</a:t>
             </a:r>
-            <a:endParaRPr lang="fr-FR"/>
           </a:p>
         </p:txBody>
       </p:sp>
@@ -1525,10 +1516,9 @@
           </a:lstStyle>
           <a:p>
             <a:r>
-              <a:rPr lang="fr-FR" smtClean="0"/>
+              <a:rPr lang="fr-FR"/>
               <a:t>Cliquez pour modifier le style du titre</a:t>
             </a:r>
-            <a:endParaRPr lang="fr-FR"/>
           </a:p>
         </p:txBody>
       </p:sp>
@@ -1591,7 +1581,7 @@
           <a:p>
             <a:pPr lvl="0"/>
             <a:r>
-              <a:rPr lang="fr-FR" smtClean="0"/>
+              <a:rPr lang="fr-FR"/>
               <a:t>Cliquez pour modifier les styles du texte du masque</a:t>
             </a:r>
           </a:p>
@@ -1647,38 +1637,37 @@
           <a:p>
             <a:pPr lvl="0"/>
             <a:r>
-              <a:rPr lang="fr-FR" smtClean="0"/>
+              <a:rPr lang="fr-FR"/>
               <a:t>Cliquez pour modifier les styles du texte du masque</a:t>
             </a:r>
           </a:p>
           <a:p>
             <a:pPr lvl="1"/>
             <a:r>
-              <a:rPr lang="fr-FR" smtClean="0"/>
+              <a:rPr lang="fr-FR"/>
               <a:t>Deuxième niveau</a:t>
             </a:r>
           </a:p>
           <a:p>
             <a:pPr lvl="2"/>
             <a:r>
-              <a:rPr lang="fr-FR" smtClean="0"/>
+              <a:rPr lang="fr-FR"/>
               <a:t>Troisième niveau</a:t>
             </a:r>
           </a:p>
           <a:p>
             <a:pPr lvl="3"/>
             <a:r>
-              <a:rPr lang="fr-FR" smtClean="0"/>
+              <a:rPr lang="fr-FR"/>
               <a:t>Quatrième niveau</a:t>
             </a:r>
           </a:p>
           <a:p>
             <a:pPr lvl="4"/>
             <a:r>
-              <a:rPr lang="fr-FR" smtClean="0"/>
+              <a:rPr lang="fr-FR"/>
               <a:t>Cinquième niveau</a:t>
             </a:r>
-            <a:endParaRPr lang="fr-FR"/>
           </a:p>
         </p:txBody>
       </p:sp>
@@ -1741,7 +1730,7 @@
           <a:p>
             <a:pPr lvl="0"/>
             <a:r>
-              <a:rPr lang="fr-FR" smtClean="0"/>
+              <a:rPr lang="fr-FR"/>
               <a:t>Cliquez pour modifier les styles du texte du masque</a:t>
             </a:r>
           </a:p>
@@ -1797,38 +1786,37 @@
           <a:p>
             <a:pPr lvl="0"/>
             <a:r>
-              <a:rPr lang="fr-FR" smtClean="0"/>
+              <a:rPr lang="fr-FR"/>
               <a:t>Cliquez pour modifier les styles du texte du masque</a:t>
             </a:r>
           </a:p>
           <a:p>
             <a:pPr lvl="1"/>
             <a:r>
-              <a:rPr lang="fr-FR" smtClean="0"/>
+              <a:rPr lang="fr-FR"/>
               <a:t>Deuxième niveau</a:t>
             </a:r>
           </a:p>
           <a:p>
             <a:pPr lvl="2"/>
             <a:r>
-              <a:rPr lang="fr-FR" smtClean="0"/>
+              <a:rPr lang="fr-FR"/>
               <a:t>Troisième niveau</a:t>
             </a:r>
           </a:p>
           <a:p>
             <a:pPr lvl="3"/>
             <a:r>
-              <a:rPr lang="fr-FR" smtClean="0"/>
+              <a:rPr lang="fr-FR"/>
               <a:t>Quatrième niveau</a:t>
             </a:r>
           </a:p>
           <a:p>
             <a:pPr lvl="4"/>
             <a:r>
-              <a:rPr lang="fr-FR" smtClean="0"/>
+              <a:rPr lang="fr-FR"/>
               <a:t>Cinquième niveau</a:t>
             </a:r>
-            <a:endParaRPr lang="fr-FR"/>
           </a:p>
         </p:txBody>
       </p:sp>
@@ -1878,10 +1866,9 @@
           <a:lstStyle/>
           <a:p>
             <a:r>
-              <a:rPr lang="fr-FR" smtClean="0"/>
+              <a:rPr lang="fr-FR"/>
               <a:t>Cliquez pour modifier le style du titre</a:t>
             </a:r>
-            <a:endParaRPr lang="fr-FR"/>
           </a:p>
         </p:txBody>
       </p:sp>
@@ -1970,10 +1957,9 @@
           </a:lstStyle>
           <a:p>
             <a:r>
-              <a:rPr lang="fr-FR" smtClean="0"/>
+              <a:rPr lang="fr-FR"/>
               <a:t>Cliquez pour modifier le style du titre</a:t>
             </a:r>
-            <a:endParaRPr lang="fr-FR"/>
           </a:p>
         </p:txBody>
       </p:sp>
@@ -2027,38 +2013,37 @@
           <a:p>
             <a:pPr lvl="0"/>
             <a:r>
-              <a:rPr lang="fr-FR" smtClean="0"/>
+              <a:rPr lang="fr-FR"/>
               <a:t>Cliquez pour modifier les styles du texte du masque</a:t>
             </a:r>
           </a:p>
           <a:p>
             <a:pPr lvl="1"/>
             <a:r>
-              <a:rPr lang="fr-FR" smtClean="0"/>
+              <a:rPr lang="fr-FR"/>
               <a:t>Deuxième niveau</a:t>
             </a:r>
           </a:p>
           <a:p>
             <a:pPr lvl="2"/>
             <a:r>
-              <a:rPr lang="fr-FR" smtClean="0"/>
+              <a:rPr lang="fr-FR"/>
               <a:t>Troisième niveau</a:t>
             </a:r>
           </a:p>
           <a:p>
             <a:pPr lvl="3"/>
             <a:r>
-              <a:rPr lang="fr-FR" smtClean="0"/>
+              <a:rPr lang="fr-FR"/>
               <a:t>Quatrième niveau</a:t>
             </a:r>
           </a:p>
           <a:p>
             <a:pPr lvl="4"/>
             <a:r>
-              <a:rPr lang="fr-FR" smtClean="0"/>
+              <a:rPr lang="fr-FR"/>
               <a:t>Cinquième niveau</a:t>
             </a:r>
-            <a:endParaRPr lang="fr-FR"/>
           </a:p>
         </p:txBody>
       </p:sp>
@@ -2121,7 +2106,7 @@
           <a:p>
             <a:pPr lvl="0"/>
             <a:r>
-              <a:rPr lang="fr-FR" smtClean="0"/>
+              <a:rPr lang="fr-FR"/>
               <a:t>Cliquez pour modifier les styles du texte du masque</a:t>
             </a:r>
           </a:p>
@@ -2182,10 +2167,9 @@
           </a:lstStyle>
           <a:p>
             <a:r>
-              <a:rPr lang="fr-FR" smtClean="0"/>
+              <a:rPr lang="fr-FR"/>
               <a:t>Cliquez pour modifier le style du titre</a:t>
             </a:r>
-            <a:endParaRPr lang="fr-FR"/>
           </a:p>
         </p:txBody>
       </p:sp>
@@ -2247,7 +2231,7 @@
           </a:lstStyle>
           <a:p>
             <a:pPr lvl="0"/>
-            <a:endParaRPr lang="fr-FR" noProof="0" smtClean="0"/>
+            <a:endParaRPr lang="fr-FR" noProof="0"/>
           </a:p>
         </p:txBody>
       </p:sp>
@@ -2310,7 +2294,7 @@
           <a:p>
             <a:pPr lvl="0"/>
             <a:r>
-              <a:rPr lang="fr-FR" smtClean="0"/>
+              <a:rPr lang="fr-FR"/>
               <a:t>Cliquez pour modifier les styles du texte du masque</a:t>
             </a:r>
           </a:p>
@@ -2362,10 +2346,9 @@
           <a:lstStyle/>
           <a:p>
             <a:r>
-              <a:rPr lang="fr-FR" smtClean="0"/>
+              <a:rPr lang="fr-FR"/>
               <a:t>Cliquez pour modifier le style du titre</a:t>
             </a:r>
-            <a:endParaRPr lang="fr-FR"/>
           </a:p>
         </p:txBody>
       </p:sp>
@@ -2386,38 +2369,37 @@
           <a:p>
             <a:pPr lvl="0"/>
             <a:r>
-              <a:rPr lang="fr-FR" smtClean="0"/>
+              <a:rPr lang="fr-FR"/>
               <a:t>Cliquez pour modifier les styles du texte du masque</a:t>
             </a:r>
           </a:p>
           <a:p>
             <a:pPr lvl="1"/>
             <a:r>
-              <a:rPr lang="fr-FR" smtClean="0"/>
+              <a:rPr lang="fr-FR"/>
               <a:t>Deuxième niveau</a:t>
             </a:r>
           </a:p>
           <a:p>
             <a:pPr lvl="2"/>
             <a:r>
-              <a:rPr lang="fr-FR" smtClean="0"/>
+              <a:rPr lang="fr-FR"/>
               <a:t>Troisième niveau</a:t>
             </a:r>
           </a:p>
           <a:p>
             <a:pPr lvl="3"/>
             <a:r>
-              <a:rPr lang="fr-FR" smtClean="0"/>
+              <a:rPr lang="fr-FR"/>
               <a:t>Quatrième niveau</a:t>
             </a:r>
           </a:p>
           <a:p>
             <a:pPr lvl="4"/>
             <a:r>
-              <a:rPr lang="fr-FR" smtClean="0"/>
+              <a:rPr lang="fr-FR"/>
               <a:t>Cinquième niveau</a:t>
             </a:r>
-            <a:endParaRPr lang="fr-FR"/>
           </a:p>
         </p:txBody>
       </p:sp>
@@ -2598,7 +2580,7 @@
             <a:pPr eaLnBrk="1" hangingPunct="1">
               <a:defRPr/>
             </a:pPr>
-            <a:endParaRPr lang="fr-FR" altLang="fr-FR" smtClean="0"/>
+            <a:endParaRPr lang="fr-FR" altLang="fr-FR"/>
           </a:p>
         </p:txBody>
       </p:sp>
@@ -2752,7 +2734,7 @@
               <a:defRPr/>
             </a:pPr>
             <a:r>
-              <a:rPr lang="fr-FR" sz="1200" dirty="0" smtClean="0"/>
+              <a:rPr lang="fr-FR" sz="1200" dirty="0"/>
               <a:t>Page </a:t>
             </a:r>
             <a:fld id="{E218E9B1-FD08-4C80-902E-210BA2967D0D}" type="slidenum">
@@ -2765,7 +2747,7 @@
               </a:pPr>
               <a:t>‹N°›</a:t>
             </a:fld>
-            <a:endParaRPr lang="fr-FR" dirty="0" smtClean="0">
+            <a:endParaRPr lang="fr-FR" dirty="0">
               <a:latin typeface="Times New Roman" pitchFamily="18" charset="0"/>
             </a:endParaRPr>
           </a:p>
@@ -2921,10 +2903,10 @@
               <a:defRPr/>
             </a:pPr>
             <a:r>
-              <a:rPr lang="fr-FR" sz="1600" dirty="0" smtClean="0"/>
+              <a:rPr lang="fr-FR" sz="1600" dirty="0"/>
               <a:t>R</a:t>
             </a:r>
-            <a:endParaRPr lang="fr-FR" dirty="0" smtClean="0">
+            <a:endParaRPr lang="fr-FR" dirty="0">
               <a:latin typeface="Times New Roman" pitchFamily="18" charset="0"/>
             </a:endParaRPr>
           </a:p>
@@ -2982,7 +2964,7 @@
           <a:p>
             <a:pPr lvl="0"/>
             <a:r>
-              <a:rPr lang="fr-FR" altLang="fr-FR" smtClean="0"/>
+              <a:rPr lang="fr-FR" altLang="fr-FR"/>
               <a:t>Cliquez pour modifier le style du titre du masque</a:t>
             </a:r>
           </a:p>
@@ -3040,35 +3022,35 @@
           <a:p>
             <a:pPr lvl="0"/>
             <a:r>
-              <a:rPr lang="fr-FR" altLang="fr-FR" smtClean="0"/>
+              <a:rPr lang="fr-FR" altLang="fr-FR"/>
               <a:t>Cliquez pour modifier les styles du texte du masque</a:t>
             </a:r>
           </a:p>
           <a:p>
             <a:pPr lvl="1"/>
             <a:r>
-              <a:rPr lang="fr-FR" altLang="fr-FR" smtClean="0"/>
+              <a:rPr lang="fr-FR" altLang="fr-FR"/>
               <a:t>Deuxième niveau</a:t>
             </a:r>
           </a:p>
           <a:p>
             <a:pPr lvl="2"/>
             <a:r>
-              <a:rPr lang="fr-FR" altLang="fr-FR" smtClean="0"/>
+              <a:rPr lang="fr-FR" altLang="fr-FR"/>
               <a:t>Troisième niveau</a:t>
             </a:r>
           </a:p>
           <a:p>
             <a:pPr lvl="3"/>
             <a:r>
-              <a:rPr lang="fr-FR" altLang="fr-FR" smtClean="0"/>
+              <a:rPr lang="fr-FR" altLang="fr-FR"/>
               <a:t>Quatrième niveau</a:t>
             </a:r>
           </a:p>
           <a:p>
             <a:pPr lvl="4"/>
             <a:r>
-              <a:rPr lang="fr-FR" altLang="fr-FR" smtClean="0"/>
+              <a:rPr lang="fr-FR" altLang="fr-FR"/>
               <a:t>Cinquième niveau</a:t>
             </a:r>
           </a:p>
@@ -3224,10 +3206,10 @@
               <a:defRPr/>
             </a:pPr>
             <a:r>
-              <a:rPr lang="fr-FR" sz="1200" smtClean="0"/>
+              <a:rPr lang="fr-FR" sz="1200"/>
               <a:t>© Cyril Vincent Conseil</a:t>
             </a:r>
-            <a:endParaRPr lang="fr-FR" smtClean="0">
+            <a:endParaRPr lang="fr-FR">
               <a:latin typeface="Times New Roman" pitchFamily="18" charset="0"/>
             </a:endParaRPr>
           </a:p>
@@ -3709,22 +3691,22 @@
           <a:p>
             <a:pPr eaLnBrk="1" hangingPunct="1"/>
             <a:r>
-              <a:rPr lang="fr-FR" altLang="fr-FR" dirty="0" smtClean="0"/>
+              <a:rPr lang="fr-FR" altLang="fr-FR" dirty="0"/>
               <a:t>Chapitre 2</a:t>
             </a:r>
           </a:p>
           <a:p>
             <a:pPr eaLnBrk="1" hangingPunct="1"/>
             <a:r>
-              <a:rPr lang="fr-FR" altLang="fr-FR" smtClean="0"/>
+              <a:rPr lang="fr-FR" altLang="fr-FR"/>
               <a:t>Variables</a:t>
             </a:r>
-            <a:endParaRPr lang="fr-FR" altLang="fr-FR" dirty="0" smtClean="0"/>
+            <a:endParaRPr lang="fr-FR" altLang="fr-FR" dirty="0"/>
           </a:p>
           <a:p>
             <a:pPr eaLnBrk="1" hangingPunct="1"/>
             <a:r>
-              <a:rPr lang="fr-FR" altLang="fr-FR" dirty="0" smtClean="0"/>
+              <a:rPr lang="fr-FR" altLang="fr-FR" dirty="0"/>
               <a:t>www.CyrilVincent.com</a:t>
             </a:r>
           </a:p>
@@ -3776,13 +3758,6 @@
   <p:clrMapOvr>
     <a:masterClrMapping/>
   </p:clrMapOvr>
-  <p:timing>
-    <p:tnLst>
-      <p:par>
-        <p:cTn id="1" dur="indefinite" restart="never" nodeType="tmRoot"/>
-      </p:par>
-    </p:tnLst>
-  </p:timing>
 </p:sld>
 </file>
 
@@ -3819,10 +3794,9 @@
           <a:lstStyle/>
           <a:p>
             <a:r>
-              <a:rPr lang="fr-FR" dirty="0" smtClean="0"/>
+              <a:rPr lang="fr-FR" dirty="0"/>
               <a:t>Conversion des types</a:t>
             </a:r>
-            <a:endParaRPr lang="fr-FR" dirty="0"/>
           </a:p>
         </p:txBody>
       </p:sp>
@@ -3842,10 +3816,9 @@
           <a:lstStyle/>
           <a:p>
             <a:r>
-              <a:rPr lang="fr-FR" dirty="0" smtClean="0"/>
+              <a:rPr lang="fr-FR" dirty="0"/>
               <a:t>Les fonction as.* permettent de convertir un type vers un autre</a:t>
             </a:r>
-            <a:endParaRPr lang="fr-FR" dirty="0"/>
           </a:p>
         </p:txBody>
       </p:sp>
@@ -3919,10 +3892,9 @@
           <a:lstStyle/>
           <a:p>
             <a:r>
-              <a:rPr lang="fr-FR" dirty="0" smtClean="0"/>
+              <a:rPr lang="fr-FR" dirty="0"/>
               <a:t>Les fonctions mathématiques</a:t>
             </a:r>
-            <a:endParaRPr lang="fr-FR" dirty="0"/>
           </a:p>
         </p:txBody>
       </p:sp>
@@ -3942,10 +3914,9 @@
           <a:lstStyle/>
           <a:p>
             <a:r>
-              <a:rPr lang="fr-FR" dirty="0" smtClean="0"/>
+              <a:rPr lang="fr-FR" dirty="0"/>
               <a:t>Elles sont nombreuses</a:t>
             </a:r>
-            <a:endParaRPr lang="fr-FR" dirty="0"/>
           </a:p>
         </p:txBody>
       </p:sp>
@@ -4043,10 +4014,9 @@
           <a:lstStyle/>
           <a:p>
             <a:r>
-              <a:rPr lang="fr-FR" dirty="0" smtClean="0"/>
+              <a:rPr lang="fr-FR" dirty="0"/>
               <a:t>Scan</a:t>
             </a:r>
-            <a:endParaRPr lang="fr-FR" dirty="0"/>
           </a:p>
         </p:txBody>
       </p:sp>
@@ -4066,7 +4036,7 @@
           <a:lstStyle/>
           <a:p>
             <a:r>
-              <a:rPr lang="fr-FR" dirty="0" smtClean="0"/>
+              <a:rPr lang="fr-FR" dirty="0"/>
               <a:t>Permet de saisir des données</a:t>
             </a:r>
           </a:p>
@@ -4169,10 +4139,9 @@
           <a:lstStyle/>
           <a:p>
             <a:r>
-              <a:rPr lang="fr-FR" dirty="0" smtClean="0"/>
+              <a:rPr lang="fr-FR" dirty="0"/>
               <a:t>Concaténation</a:t>
             </a:r>
-            <a:endParaRPr lang="fr-FR" dirty="0"/>
           </a:p>
         </p:txBody>
       </p:sp>
@@ -4192,15 +4161,15 @@
           <a:lstStyle/>
           <a:p>
             <a:r>
-              <a:rPr lang="fr-FR" dirty="0" smtClean="0"/>
+              <a:rPr lang="fr-FR" dirty="0"/>
               <a:t>La fonction </a:t>
             </a:r>
             <a:r>
-              <a:rPr lang="fr-FR" dirty="0" err="1" smtClean="0"/>
+              <a:rPr lang="fr-FR" dirty="0" err="1"/>
               <a:t>paste</a:t>
             </a:r>
             <a:r>
-              <a:rPr lang="fr-FR" dirty="0" smtClean="0"/>
+              <a:rPr lang="fr-FR" dirty="0"/>
               <a:t>() permet de concaténer des chaines avec un séparateur</a:t>
             </a:r>
           </a:p>
@@ -4208,13 +4177,13 @@
             <a:endParaRPr lang="fr-FR" dirty="0"/>
           </a:p>
           <a:p>
-            <a:endParaRPr lang="fr-FR" dirty="0" smtClean="0"/>
-          </a:p>
-          <a:p>
             <a:endParaRPr lang="fr-FR" dirty="0"/>
           </a:p>
           <a:p>
-            <a:endParaRPr lang="fr-FR" dirty="0" smtClean="0"/>
+            <a:endParaRPr lang="fr-FR" dirty="0"/>
+          </a:p>
+          <a:p>
+            <a:endParaRPr lang="fr-FR" dirty="0"/>
           </a:p>
           <a:p>
             <a:endParaRPr lang="fr-FR" dirty="0"/>
@@ -4291,10 +4260,9 @@
           <a:lstStyle/>
           <a:p>
             <a:r>
-              <a:rPr lang="fr-FR" dirty="0" smtClean="0"/>
+              <a:rPr lang="fr-FR" dirty="0"/>
               <a:t>Les fonctions des chaînes</a:t>
             </a:r>
-            <a:endParaRPr lang="fr-FR" dirty="0"/>
           </a:p>
         </p:txBody>
       </p:sp>
@@ -4314,7 +4282,7 @@
           <a:lstStyle/>
           <a:p>
             <a:r>
-              <a:rPr lang="fr-FR" dirty="0" smtClean="0"/>
+              <a:rPr lang="fr-FR" dirty="0"/>
               <a:t>De nombreuses fonctions existent sur les chaînes, en voici 4:</a:t>
             </a:r>
           </a:p>
@@ -4340,15 +4308,15 @@
               <a:t>tolower</a:t>
             </a:r>
             <a:r>
-              <a:rPr lang="fr-FR" dirty="0" smtClean="0"/>
+              <a:rPr lang="fr-FR" dirty="0"/>
               <a:t>() et </a:t>
             </a:r>
             <a:r>
-              <a:rPr lang="fr-FR" dirty="0" err="1" smtClean="0"/>
+              <a:rPr lang="fr-FR" dirty="0" err="1"/>
               <a:t>substr</a:t>
             </a:r>
             <a:r>
-              <a:rPr lang="fr-FR" dirty="0" smtClean="0"/>
+              <a:rPr lang="fr-FR" dirty="0"/>
               <a:t>()</a:t>
             </a:r>
           </a:p>
@@ -4360,17 +4328,13 @@
             </a:r>
             <a:r>
               <a:rPr lang="fr-FR" dirty="0"/>
-              <a:t>("Hello World</a:t>
-            </a:r>
-            <a:r>
-              <a:rPr lang="fr-FR" dirty="0" smtClean="0"/>
-              <a:t>!")</a:t>
+              <a:t>("Hello World!")</a:t>
             </a:r>
           </a:p>
           <a:p>
             <a:pPr lvl="1"/>
             <a:r>
-              <a:rPr lang="fr-FR" dirty="0" err="1" smtClean="0"/>
+              <a:rPr lang="fr-FR" dirty="0" err="1"/>
               <a:t>toupper</a:t>
             </a:r>
             <a:r>
@@ -4382,7 +4346,7 @@
               <a:t>BoNjouR</a:t>
             </a:r>
             <a:r>
-              <a:rPr lang="fr-FR" dirty="0" smtClean="0"/>
+              <a:rPr lang="fr-FR" dirty="0"/>
               <a:t>")</a:t>
             </a:r>
           </a:p>
@@ -4394,14 +4358,10 @@
             </a:r>
             <a:r>
               <a:rPr lang="fr-FR" dirty="0"/>
-              <a:t>("Bonjour", 2,4</a:t>
-            </a:r>
-            <a:r>
-              <a:rPr lang="fr-FR" dirty="0" smtClean="0"/>
-              <a:t>) # </a:t>
-            </a:r>
-            <a:r>
-              <a:rPr lang="fr-FR" dirty="0" err="1" smtClean="0"/>
+              <a:t>("Bonjour", 2,4) # </a:t>
+            </a:r>
+            <a:r>
+              <a:rPr lang="fr-FR" dirty="0" err="1"/>
               <a:t>onj</a:t>
             </a:r>
             <a:endParaRPr lang="fr-FR" dirty="0"/>
@@ -4454,10 +4414,9 @@
           <a:lstStyle/>
           <a:p>
             <a:r>
-              <a:rPr lang="fr-FR" dirty="0" smtClean="0"/>
+              <a:rPr lang="fr-FR" dirty="0"/>
               <a:t>Chaînes et listes</a:t>
             </a:r>
-            <a:endParaRPr lang="fr-FR" dirty="0"/>
           </a:p>
         </p:txBody>
       </p:sp>
@@ -4477,31 +4436,30 @@
           <a:lstStyle/>
           <a:p>
             <a:r>
-              <a:rPr lang="fr-FR" dirty="0" smtClean="0"/>
+              <a:rPr lang="fr-FR" dirty="0"/>
               <a:t>Les chaînes se comportent comme des listes</a:t>
             </a:r>
           </a:p>
           <a:p>
             <a:pPr lvl="1"/>
             <a:r>
-              <a:rPr lang="fr-FR" dirty="0" smtClean="0"/>
+              <a:rPr lang="fr-FR" dirty="0"/>
               <a:t>Mais non modifiable</a:t>
             </a:r>
           </a:p>
           <a:p>
             <a:pPr lvl="1"/>
             <a:r>
-              <a:rPr lang="fr-FR" dirty="0" smtClean="0"/>
-              <a:t>Possède les même opérateurs</a:t>
+              <a:rPr lang="fr-FR" dirty="0"/>
+              <a:t>Possède les mêmes opérateurs</a:t>
             </a:r>
           </a:p>
           <a:p>
             <a:pPr lvl="1"/>
             <a:r>
-              <a:rPr lang="fr-FR" dirty="0" smtClean="0"/>
+              <a:rPr lang="fr-FR" dirty="0"/>
               <a:t>Voir chapitre sur les types complexes</a:t>
             </a:r>
-            <a:endParaRPr lang="fr-FR" dirty="0"/>
           </a:p>
         </p:txBody>
       </p:sp>
@@ -4599,10 +4557,9 @@
           <a:lstStyle/>
           <a:p>
             <a:r>
-              <a:rPr lang="fr-FR" dirty="0" smtClean="0"/>
+              <a:rPr lang="fr-FR" dirty="0"/>
               <a:t>Gestion des variables</a:t>
             </a:r>
-            <a:endParaRPr lang="fr-FR" dirty="0"/>
           </a:p>
         </p:txBody>
       </p:sp>
@@ -4622,59 +4579,54 @@
           <a:lstStyle/>
           <a:p>
             <a:r>
-              <a:rPr lang="fr-FR" dirty="0" err="1" smtClean="0"/>
-              <a:t>ls</a:t>
-            </a:r>
-            <a:r>
-              <a:rPr lang="fr-FR" dirty="0" smtClean="0"/>
-              <a:t>()</a:t>
-            </a:r>
-          </a:p>
-          <a:p>
-            <a:pPr lvl="1"/>
-            <a:r>
-              <a:rPr lang="fr-FR" dirty="0" smtClean="0"/>
-              <a:t>Retourne les liste des variables</a:t>
-            </a:r>
-          </a:p>
-          <a:p>
-            <a:r>
               <a:rPr lang="fr-FR" dirty="0" err="1"/>
               <a:t>ls</a:t>
             </a:r>
             <a:r>
               <a:rPr lang="fr-FR" dirty="0"/>
-              <a:t>(pattern="var</a:t>
-            </a:r>
-            <a:r>
-              <a:rPr lang="fr-FR" dirty="0" smtClean="0"/>
-              <a:t>")</a:t>
+              <a:t>()</a:t>
             </a:r>
           </a:p>
           <a:p>
             <a:pPr lvl="1"/>
             <a:r>
-              <a:rPr lang="fr-FR" dirty="0" smtClean="0"/>
+              <a:rPr lang="fr-FR" dirty="0"/>
+              <a:t>Retourne les listes des variables</a:t>
+            </a:r>
+          </a:p>
+          <a:p>
+            <a:r>
+              <a:rPr lang="fr-FR" dirty="0" err="1"/>
+              <a:t>ls</a:t>
+            </a:r>
+            <a:r>
+              <a:rPr lang="fr-FR" dirty="0"/>
+              <a:t>(pattern="var")</a:t>
+            </a:r>
+          </a:p>
+          <a:p>
+            <a:pPr lvl="1"/>
+            <a:r>
+              <a:rPr lang="fr-FR" dirty="0"/>
               <a:t>Retourne les variables contenant "var"</a:t>
             </a:r>
           </a:p>
           <a:p>
             <a:r>
-              <a:rPr lang="fr-FR" dirty="0" err="1" smtClean="0"/>
+              <a:rPr lang="fr-FR" dirty="0" err="1"/>
               <a:t>rm</a:t>
             </a:r>
             <a:r>
-              <a:rPr lang="fr-FR" dirty="0" smtClean="0"/>
+              <a:rPr lang="fr-FR" dirty="0"/>
               <a:t>(var)</a:t>
             </a:r>
           </a:p>
           <a:p>
             <a:pPr lvl="1"/>
             <a:r>
-              <a:rPr lang="fr-FR" dirty="0" smtClean="0"/>
+              <a:rPr lang="fr-FR" dirty="0"/>
               <a:t>Détruit une variable</a:t>
             </a:r>
-            <a:endParaRPr lang="fr-FR" dirty="0"/>
           </a:p>
         </p:txBody>
       </p:sp>
@@ -4724,10 +4676,9 @@
           <a:lstStyle/>
           <a:p>
             <a:r>
-              <a:rPr lang="fr-FR" dirty="0" smtClean="0"/>
+              <a:rPr lang="fr-FR" dirty="0"/>
               <a:t>Sauvegarde de l'espace de travail</a:t>
             </a:r>
-            <a:endParaRPr lang="fr-FR" dirty="0"/>
           </a:p>
         </p:txBody>
       </p:sp>
@@ -4747,39 +4698,39 @@
           <a:lstStyle/>
           <a:p>
             <a:r>
-              <a:rPr lang="fr-FR" dirty="0" smtClean="0"/>
+              <a:rPr lang="fr-FR" dirty="0"/>
               <a:t>q() quitte l'espace de travaille</a:t>
             </a:r>
           </a:p>
           <a:p>
             <a:pPr lvl="1"/>
             <a:r>
-              <a:rPr lang="fr-FR" dirty="0" smtClean="0"/>
+              <a:rPr lang="fr-FR" dirty="0"/>
               <a:t>Peut sauvegarder les variables</a:t>
             </a:r>
           </a:p>
           <a:p>
             <a:r>
-              <a:rPr lang="fr-FR" dirty="0" smtClean="0"/>
+              <a:rPr lang="fr-FR" dirty="0"/>
               <a:t>Un fichier *.</a:t>
             </a:r>
             <a:r>
-              <a:rPr lang="fr-FR" dirty="0" err="1" smtClean="0"/>
+              <a:rPr lang="fr-FR" dirty="0" err="1"/>
               <a:t>Rdata</a:t>
             </a:r>
             <a:r>
-              <a:rPr lang="fr-FR" dirty="0" smtClean="0"/>
+              <a:rPr lang="fr-FR" dirty="0"/>
               <a:t> est alors créé dans votre répertoire de travaille</a:t>
             </a:r>
           </a:p>
           <a:p>
             <a:pPr lvl="1"/>
             <a:r>
-              <a:rPr lang="fr-FR" dirty="0" err="1" smtClean="0"/>
+              <a:rPr lang="fr-FR" dirty="0" err="1"/>
               <a:t>getwd</a:t>
             </a:r>
             <a:r>
-              <a:rPr lang="fr-FR" dirty="0" smtClean="0"/>
+              <a:rPr lang="fr-FR" dirty="0"/>
               <a:t>() permet de connaitre ce répertoire</a:t>
             </a:r>
           </a:p>
@@ -4807,13 +4758,8 @@
             </a:r>
             <a:r>
               <a:rPr lang="fr-FR" dirty="0"/>
-              <a:t>/R</a:t>
-            </a:r>
-            <a:r>
-              <a:rPr lang="fr-FR" dirty="0" smtClean="0"/>
-              <a:t>/") permet de le modifier</a:t>
-            </a:r>
-            <a:endParaRPr lang="fr-FR" dirty="0"/>
+              <a:t>/R/") permet de le modifier</a:t>
+            </a:r>
           </a:p>
         </p:txBody>
       </p:sp>
@@ -4863,10 +4809,9 @@
           <a:lstStyle/>
           <a:p>
             <a:r>
-              <a:rPr lang="fr-FR" dirty="0" smtClean="0"/>
+              <a:rPr lang="fr-FR" dirty="0"/>
               <a:t>Editeurs</a:t>
             </a:r>
-            <a:endParaRPr lang="fr-FR" dirty="0"/>
           </a:p>
         </p:txBody>
       </p:sp>
@@ -4886,25 +4831,25 @@
           <a:lstStyle/>
           <a:p>
             <a:r>
-              <a:rPr lang="fr-FR" dirty="0" smtClean="0"/>
+              <a:rPr lang="fr-FR" dirty="0"/>
               <a:t>R peut s'éditer avec n'importe quel éditeur</a:t>
             </a:r>
           </a:p>
           <a:p>
             <a:r>
-              <a:rPr lang="fr-FR" dirty="0" smtClean="0"/>
+              <a:rPr lang="fr-FR" dirty="0"/>
               <a:t>L'éditeur de référence est </a:t>
             </a:r>
             <a:r>
-              <a:rPr lang="fr-FR" dirty="0" err="1" smtClean="0"/>
+              <a:rPr lang="fr-FR" dirty="0" err="1"/>
               <a:t>RStudio</a:t>
             </a:r>
-            <a:endParaRPr lang="fr-FR" dirty="0" smtClean="0"/>
+            <a:endParaRPr lang="fr-FR" dirty="0"/>
           </a:p>
           <a:p>
             <a:pPr lvl="1"/>
             <a:r>
-              <a:rPr lang="fr-FR" dirty="0" smtClean="0"/>
+              <a:rPr lang="fr-FR" dirty="0"/>
               <a:t>Libre</a:t>
             </a:r>
           </a:p>
@@ -4914,7 +4859,7 @@
           </a:p>
           <a:p>
             <a:pPr lvl="1"/>
-            <a:endParaRPr lang="fr-FR" dirty="0" smtClean="0"/>
+            <a:endParaRPr lang="fr-FR" dirty="0"/>
           </a:p>
           <a:p>
             <a:pPr lvl="1"/>
@@ -4922,21 +4867,20 @@
           </a:p>
           <a:p>
             <a:pPr lvl="1"/>
-            <a:endParaRPr lang="fr-FR" dirty="0" smtClean="0"/>
-          </a:p>
-          <a:p>
-            <a:r>
-              <a:rPr lang="fr-FR" dirty="0" smtClean="0"/>
+            <a:endParaRPr lang="fr-FR" dirty="0"/>
+          </a:p>
+          <a:p>
+            <a:r>
+              <a:rPr lang="fr-FR" dirty="0"/>
               <a:t>Alternative</a:t>
             </a:r>
           </a:p>
           <a:p>
             <a:pPr lvl="1"/>
             <a:r>
-              <a:rPr lang="fr-FR" dirty="0" smtClean="0"/>
+              <a:rPr lang="fr-FR" dirty="0"/>
               <a:t>Microsoft Visual Studio </a:t>
             </a:r>
-            <a:endParaRPr lang="fr-FR" dirty="0"/>
           </a:p>
         </p:txBody>
       </p:sp>
@@ -4991,13 +4935,6 @@
   <p:clrMapOvr>
     <a:masterClrMapping/>
   </p:clrMapOvr>
-  <p:timing>
-    <p:tnLst>
-      <p:par>
-        <p:cTn id="1" dur="indefinite" restart="never" nodeType="tmRoot"/>
-      </p:par>
-    </p:tnLst>
-  </p:timing>
 </p:sld>
 </file>
 
@@ -5034,10 +4971,9 @@
           <a:lstStyle/>
           <a:p>
             <a:r>
-              <a:rPr lang="fr-FR" dirty="0" smtClean="0"/>
+              <a:rPr lang="fr-FR" dirty="0"/>
               <a:t>Création d'un projet</a:t>
             </a:r>
-            <a:endParaRPr lang="fr-FR" dirty="0"/>
           </a:p>
         </p:txBody>
       </p:sp>
@@ -5130,10 +5066,9 @@
           <a:lstStyle/>
           <a:p>
             <a:r>
-              <a:rPr lang="fr-FR" dirty="0" smtClean="0"/>
+              <a:rPr lang="fr-FR" dirty="0"/>
               <a:t>Commentaires</a:t>
             </a:r>
-            <a:endParaRPr lang="fr-FR" dirty="0"/>
           </a:p>
         </p:txBody>
       </p:sp>
@@ -5153,14 +5088,14 @@
           <a:lstStyle/>
           <a:p>
             <a:r>
-              <a:rPr lang="fr-FR" dirty="0" smtClean="0"/>
+              <a:rPr lang="fr-FR" dirty="0"/>
               <a:t>#</a:t>
             </a:r>
           </a:p>
           <a:p>
             <a:pPr lvl="1"/>
             <a:r>
-              <a:rPr lang="fr-FR" dirty="0" smtClean="0"/>
+              <a:rPr lang="fr-FR" dirty="0"/>
               <a:t>Commentaire mono ligne</a:t>
             </a:r>
           </a:p>
@@ -5168,7 +5103,7 @@
             <a:endParaRPr lang="fr-FR" dirty="0"/>
           </a:p>
           <a:p>
-            <a:endParaRPr lang="fr-FR" dirty="0" smtClean="0"/>
+            <a:endParaRPr lang="fr-FR" dirty="0"/>
           </a:p>
         </p:txBody>
       </p:sp>
@@ -5242,10 +5177,9 @@
           <a:lstStyle/>
           <a:p>
             <a:r>
-              <a:rPr lang="fr-FR" dirty="0" smtClean="0"/>
+              <a:rPr lang="fr-FR" dirty="0"/>
               <a:t>Script R</a:t>
             </a:r>
-            <a:endParaRPr lang="fr-FR" dirty="0"/>
           </a:p>
         </p:txBody>
       </p:sp>
@@ -5265,26 +5199,26 @@
           <a:lstStyle/>
           <a:p>
             <a:r>
-              <a:rPr lang="fr-FR" dirty="0" smtClean="0"/>
+              <a:rPr lang="fr-FR" dirty="0"/>
               <a:t>Un script R doit être mis dans un fichier *.R</a:t>
             </a:r>
           </a:p>
           <a:p>
             <a:pPr lvl="1"/>
             <a:r>
-              <a:rPr lang="fr-FR" dirty="0" smtClean="0"/>
+              <a:rPr lang="fr-FR" dirty="0"/>
               <a:t>Pour pouvoir être rejoué</a:t>
             </a:r>
           </a:p>
           <a:p>
             <a:r>
-              <a:rPr lang="fr-FR" dirty="0" smtClean="0"/>
+              <a:rPr lang="fr-FR" dirty="0"/>
               <a:t>Exécuter un script R depuis R Studio</a:t>
             </a:r>
           </a:p>
           <a:p>
             <a:r>
-              <a:rPr lang="fr-FR" dirty="0" smtClean="0"/>
+              <a:rPr lang="fr-FR" dirty="0"/>
               <a:t>Exécuter un script depuis R Shell avec la commande source</a:t>
             </a:r>
           </a:p>
@@ -5292,39 +5226,35 @@
             <a:pPr lvl="1"/>
             <a:r>
               <a:rPr lang="fr-FR" dirty="0"/>
-              <a:t>source</a:t>
-            </a:r>
-            <a:r>
-              <a:rPr lang="fr-FR" dirty="0" smtClean="0"/>
-              <a:t>("C:/Formation/R/tp/hello.R")</a:t>
-            </a:r>
-          </a:p>
-          <a:p>
-            <a:r>
-              <a:rPr lang="fr-FR" dirty="0" smtClean="0"/>
+              <a:t>source("C:/Formation/R/tp/hello.R")</a:t>
+            </a:r>
+          </a:p>
+          <a:p>
+            <a:r>
+              <a:rPr lang="fr-FR" dirty="0"/>
               <a:t>Exécuter un script R depuis l'invité de commande</a:t>
             </a:r>
           </a:p>
           <a:p>
             <a:pPr lvl="1"/>
             <a:r>
-              <a:rPr lang="fr-FR" dirty="0" err="1" smtClean="0"/>
+              <a:rPr lang="fr-FR" dirty="0" err="1"/>
               <a:t>rscript</a:t>
             </a:r>
             <a:r>
-              <a:rPr lang="fr-FR" dirty="0" smtClean="0"/>
+              <a:rPr lang="fr-FR" dirty="0"/>
               <a:t> </a:t>
             </a:r>
             <a:r>
-              <a:rPr lang="fr-FR" dirty="0" err="1" smtClean="0"/>
+              <a:rPr lang="fr-FR" dirty="0" err="1"/>
               <a:t>hello.R</a:t>
             </a:r>
-            <a:endParaRPr lang="fr-FR" dirty="0" smtClean="0"/>
+            <a:endParaRPr lang="fr-FR" dirty="0"/>
           </a:p>
           <a:p>
             <a:pPr lvl="1"/>
             <a:r>
-              <a:rPr lang="fr-FR" dirty="0" smtClean="0"/>
+              <a:rPr lang="fr-FR" dirty="0"/>
               <a:t>Attention la variable d'environnement PATH doit être mise à jour sur R/bin</a:t>
             </a:r>
           </a:p>
@@ -5379,7 +5309,7 @@
           <a:lstStyle/>
           <a:p>
             <a:r>
-              <a:rPr lang="fr-FR" dirty="0" err="1" smtClean="0"/>
+              <a:rPr lang="fr-FR" dirty="0" err="1"/>
               <a:t>print</a:t>
             </a:r>
             <a:endParaRPr lang="fr-FR" dirty="0"/>
@@ -5402,91 +5332,91 @@
           <a:lstStyle/>
           <a:p>
             <a:r>
-              <a:rPr lang="fr-FR" dirty="0" err="1" smtClean="0"/>
+              <a:rPr lang="fr-FR" dirty="0" err="1"/>
               <a:t>print</a:t>
             </a:r>
             <a:r>
-              <a:rPr lang="fr-FR" dirty="0" smtClean="0"/>
+              <a:rPr lang="fr-FR" dirty="0"/>
               <a:t>() affiche une chaine des variables à l'écran</a:t>
             </a:r>
           </a:p>
           <a:p>
             <a:pPr lvl="1"/>
             <a:r>
-              <a:rPr lang="fr-FR" dirty="0" smtClean="0"/>
+              <a:rPr lang="fr-FR" dirty="0"/>
               <a:t>Appelé la sortie standard</a:t>
             </a:r>
           </a:p>
           <a:p>
             <a:r>
-              <a:rPr lang="fr-FR" dirty="0" smtClean="0"/>
+              <a:rPr lang="fr-FR" dirty="0"/>
               <a:t>La sortie peut être redirigée vers un fichier texte</a:t>
             </a:r>
           </a:p>
           <a:p>
             <a:r>
-              <a:rPr lang="fr-FR" dirty="0" err="1" smtClean="0"/>
+              <a:rPr lang="fr-FR" dirty="0" err="1"/>
               <a:t>sink</a:t>
             </a:r>
             <a:r>
-              <a:rPr lang="fr-FR" dirty="0" smtClean="0"/>
+              <a:rPr lang="fr-FR" dirty="0"/>
               <a:t>("output.txt")</a:t>
             </a:r>
           </a:p>
           <a:p>
             <a:pPr lvl="1"/>
             <a:r>
-              <a:rPr lang="fr-FR" dirty="0" smtClean="0"/>
+              <a:rPr lang="fr-FR" dirty="0"/>
               <a:t>Redirige les </a:t>
             </a:r>
             <a:r>
-              <a:rPr lang="fr-FR" dirty="0" err="1" smtClean="0"/>
+              <a:rPr lang="fr-FR" dirty="0" err="1"/>
               <a:t>prints</a:t>
             </a:r>
             <a:r>
-              <a:rPr lang="fr-FR" dirty="0" smtClean="0"/>
+              <a:rPr lang="fr-FR" dirty="0"/>
               <a:t> vers output.txt</a:t>
             </a:r>
           </a:p>
           <a:p>
             <a:r>
-              <a:rPr lang="fr-FR" dirty="0" err="1" smtClean="0"/>
+              <a:rPr lang="fr-FR" dirty="0" err="1"/>
               <a:t>sink</a:t>
             </a:r>
             <a:r>
-              <a:rPr lang="fr-FR" dirty="0" smtClean="0"/>
+              <a:rPr lang="fr-FR" dirty="0"/>
               <a:t>()</a:t>
             </a:r>
           </a:p>
           <a:p>
             <a:pPr lvl="1"/>
             <a:r>
-              <a:rPr lang="fr-FR" dirty="0" smtClean="0"/>
+              <a:rPr lang="fr-FR" dirty="0"/>
               <a:t>Redirige les </a:t>
             </a:r>
             <a:r>
-              <a:rPr lang="fr-FR" dirty="0" err="1" smtClean="0"/>
+              <a:rPr lang="fr-FR" dirty="0" err="1"/>
               <a:t>prints</a:t>
             </a:r>
             <a:r>
-              <a:rPr lang="fr-FR" dirty="0" smtClean="0"/>
+              <a:rPr lang="fr-FR" dirty="0"/>
               <a:t> vers l'écran</a:t>
             </a:r>
           </a:p>
           <a:p>
             <a:r>
-              <a:rPr lang="fr-FR" dirty="0" err="1" smtClean="0"/>
+              <a:rPr lang="fr-FR" dirty="0" err="1"/>
               <a:t>sink</a:t>
             </a:r>
             <a:r>
-              <a:rPr lang="fr-FR" dirty="0" smtClean="0"/>
+              <a:rPr lang="fr-FR" dirty="0"/>
               <a:t>(append=TRUE)</a:t>
             </a:r>
           </a:p>
           <a:p>
             <a:pPr lvl="1"/>
             <a:r>
-              <a:rPr lang="fr-FR" dirty="0" smtClean="0"/>
+              <a:rPr lang="fr-FR" dirty="0"/>
               <a:t>N'écrase pas le fichier</a:t>
             </a:r>
           </a:p>
@@ -5542,7 +5472,7 @@
           <a:lstStyle/>
           <a:p>
             <a:r>
-              <a:rPr lang="fr-FR" dirty="0" err="1" smtClean="0"/>
+              <a:rPr lang="fr-FR" dirty="0" err="1"/>
               <a:t>RData</a:t>
             </a:r>
             <a:endParaRPr lang="fr-FR" dirty="0"/>
@@ -5565,108 +5495,116 @@
           <a:lstStyle/>
           <a:p>
             <a:r>
-              <a:rPr lang="fr-FR" dirty="0" smtClean="0"/>
+              <a:rPr lang="fr-FR" dirty="0"/>
               <a:t>Il est possible de sauvegarder une variable dans un fichier</a:t>
             </a:r>
           </a:p>
           <a:p>
             <a:pPr lvl="1"/>
             <a:r>
-              <a:rPr lang="fr-FR" dirty="0" smtClean="0"/>
-              <a:t>Généralement un données volumineuse ou issue d'un c calcul complexe</a:t>
+              <a:rPr lang="fr-FR"/>
+              <a:t>Généralement des données volumineuses </a:t>
+            </a:r>
+            <a:r>
+              <a:rPr lang="fr-FR" dirty="0"/>
+              <a:t>ou issue </a:t>
+            </a:r>
+            <a:r>
+              <a:rPr lang="fr-FR"/>
+              <a:t>d'un  </a:t>
+            </a:r>
+            <a:r>
+              <a:rPr lang="fr-FR" dirty="0"/>
+              <a:t>calcul complexe</a:t>
             </a:r>
           </a:p>
           <a:p>
             <a:pPr lvl="1"/>
             <a:r>
-              <a:rPr lang="fr-FR" dirty="0" err="1" smtClean="0"/>
+              <a:rPr lang="fr-FR" dirty="0" err="1"/>
               <a:t>save</a:t>
             </a:r>
             <a:r>
-              <a:rPr lang="fr-FR" dirty="0" smtClean="0"/>
+              <a:rPr lang="fr-FR" dirty="0"/>
               <a:t>(</a:t>
             </a:r>
             <a:r>
-              <a:rPr lang="fr-FR" dirty="0" err="1" smtClean="0"/>
+              <a:rPr lang="fr-FR" dirty="0" err="1"/>
               <a:t>mavariable</a:t>
             </a:r>
             <a:r>
-              <a:rPr lang="fr-FR" dirty="0" smtClean="0"/>
-              <a:t>,</a:t>
-            </a:r>
-            <a:r>
-              <a:rPr lang="fr-FR" dirty="0"/>
-              <a:t> </a:t>
-            </a:r>
-            <a:r>
-              <a:rPr lang="fr-FR" dirty="0" smtClean="0"/>
-              <a:t>file="</a:t>
-            </a:r>
-            <a:r>
-              <a:rPr lang="fr-FR" dirty="0" err="1" smtClean="0"/>
+              <a:rPr lang="fr-FR" dirty="0"/>
+              <a:t>, file="</a:t>
+            </a:r>
+            <a:r>
+              <a:rPr lang="fr-FR" dirty="0" err="1"/>
               <a:t>resultat.RData</a:t>
             </a:r>
             <a:r>
-              <a:rPr lang="fr-FR" dirty="0" smtClean="0"/>
+              <a:rPr lang="fr-FR" dirty="0"/>
               <a:t>")</a:t>
             </a:r>
           </a:p>
           <a:p>
             <a:pPr lvl="2"/>
             <a:r>
-              <a:rPr lang="fr-FR" dirty="0" err="1" smtClean="0"/>
+              <a:rPr lang="fr-FR" dirty="0" err="1"/>
               <a:t>mavariable</a:t>
             </a:r>
             <a:r>
-              <a:rPr lang="fr-FR" dirty="0" smtClean="0"/>
+              <a:rPr lang="fr-FR" dirty="0"/>
               <a:t> peut être un vecteur de variable</a:t>
             </a:r>
           </a:p>
           <a:p>
             <a:pPr lvl="1"/>
             <a:r>
-              <a:rPr lang="fr-FR" dirty="0" err="1" smtClean="0"/>
+              <a:rPr lang="fr-FR" dirty="0" err="1"/>
               <a:t>load</a:t>
             </a:r>
             <a:r>
-              <a:rPr lang="fr-FR" smtClean="0"/>
-              <a:t>("resultat.RData</a:t>
-            </a:r>
-            <a:r>
-              <a:rPr lang="fr-FR" dirty="0" smtClean="0"/>
+              <a:rPr lang="fr-FR" dirty="0"/>
+              <a:t>("</a:t>
+            </a:r>
+            <a:r>
+              <a:rPr lang="fr-FR" dirty="0" err="1"/>
+              <a:t>resultat.RData</a:t>
+            </a:r>
+            <a:r>
+              <a:rPr lang="fr-FR" dirty="0"/>
               <a:t>")</a:t>
             </a:r>
           </a:p>
           <a:p>
             <a:pPr lvl="2"/>
             <a:r>
-              <a:rPr lang="fr-FR" dirty="0" smtClean="0"/>
+              <a:rPr lang="fr-FR" dirty="0"/>
               <a:t>Aucune assignation, la variable </a:t>
             </a:r>
             <a:r>
-              <a:rPr lang="fr-FR" dirty="0" err="1" smtClean="0"/>
+              <a:rPr lang="fr-FR" dirty="0" err="1"/>
               <a:t>mavariable</a:t>
             </a:r>
             <a:r>
-              <a:rPr lang="fr-FR" dirty="0" smtClean="0"/>
+              <a:rPr lang="fr-FR" dirty="0"/>
               <a:t> est recréée</a:t>
             </a:r>
           </a:p>
           <a:p>
             <a:pPr lvl="1"/>
             <a:r>
-              <a:rPr lang="fr-FR" dirty="0" err="1" smtClean="0"/>
+              <a:rPr lang="fr-FR" dirty="0" err="1"/>
               <a:t>save.image</a:t>
             </a:r>
             <a:r>
-              <a:rPr lang="fr-FR" dirty="0" smtClean="0"/>
+              <a:rPr lang="fr-FR" dirty="0"/>
               <a:t>(file)</a:t>
             </a:r>
           </a:p>
           <a:p>
             <a:pPr lvl="2"/>
             <a:r>
-              <a:rPr lang="fr-FR" dirty="0" smtClean="0"/>
+              <a:rPr lang="fr-FR" dirty="0"/>
               <a:t>Sauvegarde toutes les variables</a:t>
             </a:r>
           </a:p>
@@ -5722,10 +5660,9 @@
           <a:lstStyle/>
           <a:p>
             <a:r>
-              <a:rPr lang="fr-FR" dirty="0" smtClean="0"/>
+              <a:rPr lang="fr-FR" dirty="0"/>
               <a:t>Les variables</a:t>
             </a:r>
-            <a:endParaRPr lang="fr-FR" dirty="0"/>
           </a:p>
         </p:txBody>
       </p:sp>
@@ -5746,57 +5683,48 @@
           <a:p>
             <a:r>
               <a:rPr lang="fr-FR" dirty="0"/>
-              <a:t>Les variables sont des cases mémoire qui permettent de stocker des valeurs. Les variables les plus simples permettent de stocker des valeurs numériques (c'est à dire un nombre) ou du texte par </a:t>
-            </a:r>
-            <a:r>
-              <a:rPr lang="fr-FR" dirty="0" smtClean="0"/>
-              <a:t>exemple</a:t>
-            </a:r>
-          </a:p>
-          <a:p>
-            <a:r>
-              <a:rPr lang="fr-FR" dirty="0" smtClean="0"/>
+              <a:t>Les variables sont des cases mémoire qui permettent de stocker des valeurs. Les variables les plus simples permettent de stocker des valeurs numériques (c'est à dire un nombre) ou du texte par exemple</a:t>
+            </a:r>
+          </a:p>
+          <a:p>
+            <a:r>
+              <a:rPr lang="fr-FR" dirty="0"/>
               <a:t>Pas de déclaration</a:t>
             </a:r>
           </a:p>
           <a:p>
             <a:r>
-              <a:rPr lang="fr-FR" dirty="0" smtClean="0"/>
+              <a:rPr lang="fr-FR" dirty="0"/>
               <a:t>Opérateur d'assignation : &lt;-</a:t>
             </a:r>
           </a:p>
           <a:p>
             <a:pPr lvl="1"/>
             <a:r>
-              <a:rPr lang="fr-FR" dirty="0" smtClean="0"/>
+              <a:rPr lang="fr-FR" dirty="0"/>
               <a:t>x &lt;- 3.14</a:t>
             </a:r>
           </a:p>
           <a:p>
             <a:pPr lvl="1"/>
             <a:r>
-              <a:rPr lang="fr-FR" dirty="0" smtClean="0"/>
-              <a:t>3.14 -&gt; </a:t>
-            </a:r>
-            <a:r>
-              <a:rPr lang="fr-FR" dirty="0" smtClean="0"/>
-              <a:t>x</a:t>
-            </a:r>
-          </a:p>
-          <a:p>
-            <a:r>
-              <a:rPr lang="fr-FR" dirty="0" smtClean="0"/>
+              <a:rPr lang="fr-FR" dirty="0"/>
+              <a:t>3.14 -&gt; x</a:t>
+            </a:r>
+          </a:p>
+          <a:p>
+            <a:r>
+              <a:rPr lang="fr-FR" dirty="0"/>
               <a:t>Le = est </a:t>
             </a:r>
             <a:r>
-              <a:rPr lang="fr-FR" smtClean="0"/>
+              <a:rPr lang="fr-FR"/>
               <a:t>maitenant</a:t>
             </a:r>
             <a:r>
-              <a:rPr lang="fr-FR" dirty="0" smtClean="0"/>
+              <a:rPr lang="fr-FR" dirty="0"/>
               <a:t> accepté</a:t>
             </a:r>
-            <a:endParaRPr lang="fr-FR" dirty="0"/>
           </a:p>
         </p:txBody>
       </p:sp>
@@ -5846,10 +5774,9 @@
           <a:lstStyle/>
           <a:p>
             <a:r>
-              <a:rPr lang="fr-FR" dirty="0" smtClean="0"/>
+              <a:rPr lang="fr-FR" dirty="0"/>
               <a:t>Les variables</a:t>
             </a:r>
-            <a:endParaRPr lang="fr-FR" dirty="0"/>
           </a:p>
         </p:txBody>
       </p:sp>
@@ -5870,15 +5797,7 @@
           <a:p>
             <a:r>
               <a:rPr lang="fr-FR" dirty="0"/>
-              <a:t>En </a:t>
-            </a:r>
-            <a:r>
-              <a:rPr lang="fr-FR" dirty="0" smtClean="0"/>
-              <a:t>R, </a:t>
-            </a:r>
-            <a:r>
-              <a:rPr lang="fr-FR" dirty="0"/>
-              <a:t>pour donner une valeur à une variable, il suffit d'écrire </a:t>
+              <a:t>En R, pour donner une valeur à une variable, il suffit d'écrire </a:t>
             </a:r>
             <a:r>
               <a:rPr lang="fr-FR" dirty="0" err="1"/>
@@ -5886,42 +5805,21 @@
             </a:r>
             <a:r>
               <a:rPr lang="fr-FR" dirty="0"/>
-              <a:t> </a:t>
-            </a:r>
-            <a:r>
-              <a:rPr lang="fr-FR" dirty="0" smtClean="0"/>
-              <a:t>&lt;- </a:t>
-            </a:r>
-            <a:r>
-              <a:rPr lang="fr-FR" dirty="0"/>
-              <a:t>valeur.</a:t>
-            </a:r>
-          </a:p>
-          <a:p>
-            <a:r>
-              <a:rPr lang="fr-FR" dirty="0" smtClean="0"/>
-              <a:t>Une </a:t>
-            </a:r>
-            <a:r>
-              <a:rPr lang="fr-FR" dirty="0"/>
-              <a:t>variable doit respecter quelques règles de syntaxe incontournables :</a:t>
+              <a:t> &lt;- valeur.</a:t>
+            </a:r>
+          </a:p>
+          <a:p>
+            <a:r>
+              <a:rPr lang="fr-FR" dirty="0"/>
+              <a:t>Une variable doit respecter quelques règles de syntaxe incontournables :</a:t>
             </a:r>
           </a:p>
           <a:p>
             <a:pPr lvl="1"/>
             <a:r>
-              <a:rPr lang="fr-FR" dirty="0" smtClean="0"/>
-              <a:t>Le </a:t>
-            </a:r>
-            <a:r>
-              <a:rPr lang="fr-FR" dirty="0"/>
-              <a:t>nom de la variable ne peut être composé que de lettres, majuscules ou minuscules, de chiffres et du symbole souligné « _ </a:t>
-            </a:r>
-            <a:r>
-              <a:rPr lang="fr-FR" dirty="0" smtClean="0"/>
-              <a:t>»</a:t>
-            </a:r>
-            <a:endParaRPr lang="fr-FR" dirty="0"/>
+              <a:rPr lang="fr-FR" dirty="0"/>
+              <a:t>Le nom de la variable ne peut être composé que de lettres, majuscules ou minuscules, de chiffres et du symbole souligné « _ »</a:t>
+            </a:r>
           </a:p>
           <a:p>
             <a:pPr lvl="1"/>
@@ -5934,21 +5832,8 @@
             <a:pPr lvl="1"/>
             <a:r>
               <a:rPr lang="fr-FR" dirty="0"/>
-              <a:t>Le langage </a:t>
-            </a:r>
-            <a:r>
-              <a:rPr lang="fr-FR" dirty="0" smtClean="0"/>
-              <a:t>R est </a:t>
-            </a:r>
-            <a:r>
-              <a:rPr lang="fr-FR" dirty="0"/>
-              <a:t>sensible à la casse, ce qui signifie que des lettres majuscules et minuscules ne constituent pas la même </a:t>
-            </a:r>
-            <a:r>
-              <a:rPr lang="fr-FR" dirty="0" smtClean="0"/>
-              <a:t>variable</a:t>
-            </a:r>
-            <a:endParaRPr lang="fr-FR" dirty="0"/>
+              <a:t>Le langage R est sensible à la casse, ce qui signifie que des lettres majuscules et minuscules ne constituent pas la même variable</a:t>
+            </a:r>
           </a:p>
         </p:txBody>
       </p:sp>
@@ -5962,13 +5847,6 @@
   <p:clrMapOvr>
     <a:masterClrMapping/>
   </p:clrMapOvr>
-  <p:timing>
-    <p:tnLst>
-      <p:par>
-        <p:cTn id="1" dur="indefinite" restart="never" nodeType="tmRoot"/>
-      </p:par>
-    </p:tnLst>
-  </p:timing>
 </p:sld>
 </file>
 
@@ -6005,10 +5883,9 @@
           <a:lstStyle/>
           <a:p>
             <a:r>
-              <a:rPr lang="fr-FR" dirty="0" smtClean="0"/>
+              <a:rPr lang="fr-FR" dirty="0"/>
               <a:t>Convention de nommage</a:t>
             </a:r>
-            <a:endParaRPr lang="fr-FR" dirty="0"/>
           </a:p>
         </p:txBody>
       </p:sp>
@@ -6028,42 +5905,42 @@
           <a:lstStyle/>
           <a:p>
             <a:r>
-              <a:rPr lang="fr-FR" dirty="0" smtClean="0"/>
+              <a:rPr lang="fr-FR" dirty="0"/>
               <a:t>HTML Case</a:t>
             </a:r>
           </a:p>
           <a:p>
             <a:pPr lvl="1"/>
             <a:r>
-              <a:rPr lang="fr-FR" dirty="0" err="1" smtClean="0"/>
+              <a:rPr lang="fr-FR" dirty="0" err="1"/>
               <a:t>ma_variable</a:t>
             </a:r>
-            <a:endParaRPr lang="fr-FR" dirty="0" smtClean="0"/>
-          </a:p>
-          <a:p>
-            <a:r>
-              <a:rPr lang="fr-FR" dirty="0" smtClean="0"/>
+            <a:endParaRPr lang="fr-FR" dirty="0"/>
+          </a:p>
+          <a:p>
+            <a:r>
+              <a:rPr lang="fr-FR" dirty="0"/>
               <a:t>CAML Case</a:t>
             </a:r>
           </a:p>
           <a:p>
             <a:pPr lvl="1"/>
             <a:r>
-              <a:rPr lang="fr-FR" dirty="0" err="1" smtClean="0"/>
+              <a:rPr lang="fr-FR" dirty="0" err="1"/>
               <a:t>maVariable</a:t>
             </a:r>
-            <a:endParaRPr lang="fr-FR" dirty="0" smtClean="0"/>
-          </a:p>
-          <a:p>
-            <a:r>
-              <a:rPr lang="fr-FR" dirty="0" smtClean="0"/>
+            <a:endParaRPr lang="fr-FR" dirty="0"/>
+          </a:p>
+          <a:p>
+            <a:r>
+              <a:rPr lang="fr-FR" dirty="0"/>
               <a:t>Kebab Case</a:t>
             </a:r>
           </a:p>
           <a:p>
             <a:pPr lvl="1"/>
             <a:r>
-              <a:rPr lang="fr-FR" dirty="0" smtClean="0"/>
+              <a:rPr lang="fr-FR" dirty="0"/>
               <a:t>ma-variable</a:t>
             </a:r>
           </a:p>
@@ -6115,10 +5992,9 @@
           <a:lstStyle/>
           <a:p>
             <a:r>
-              <a:rPr lang="fr-FR" dirty="0" smtClean="0"/>
+              <a:rPr lang="fr-FR" dirty="0"/>
               <a:t>Les chaînes de caractères</a:t>
             </a:r>
-            <a:endParaRPr lang="fr-FR" dirty="0"/>
           </a:p>
         </p:txBody>
       </p:sp>
@@ -6143,19 +6019,19 @@
               </a:lnSpc>
             </a:pPr>
             <a:r>
-              <a:rPr lang="en-GB" altLang="fr-FR" dirty="0" err="1" smtClean="0"/>
+              <a:rPr lang="en-GB" altLang="fr-FR" dirty="0" err="1"/>
               <a:t>Une</a:t>
             </a:r>
             <a:r>
-              <a:rPr lang="en-GB" altLang="fr-FR" dirty="0" smtClean="0"/>
+              <a:rPr lang="en-GB" altLang="fr-FR" dirty="0"/>
               <a:t> </a:t>
             </a:r>
             <a:r>
-              <a:rPr lang="en-GB" altLang="fr-FR" dirty="0" err="1" smtClean="0"/>
+              <a:rPr lang="en-GB" altLang="fr-FR" dirty="0" err="1"/>
               <a:t>chaîne</a:t>
             </a:r>
             <a:r>
-              <a:rPr lang="en-GB" altLang="fr-FR" dirty="0" smtClean="0"/>
+              <a:rPr lang="en-GB" altLang="fr-FR" dirty="0"/>
               <a:t> </a:t>
             </a:r>
             <a:r>
@@ -6188,11 +6064,7 @@
             </a:r>
             <a:r>
               <a:rPr lang="en-GB" altLang="fr-FR" dirty="0"/>
-              <a:t> un </a:t>
-            </a:r>
-            <a:r>
-              <a:rPr lang="en-GB" altLang="fr-FR" dirty="0" smtClean="0"/>
-              <a:t>double.</a:t>
+              <a:t> un double.</a:t>
             </a:r>
           </a:p>
           <a:p>
@@ -6202,19 +6074,19 @@
               </a:lnSpc>
             </a:pPr>
             <a:r>
-              <a:rPr lang="en-GB" altLang="fr-FR" dirty="0" err="1" smtClean="0"/>
+              <a:rPr lang="en-GB" altLang="fr-FR" dirty="0" err="1"/>
               <a:t>Caractère</a:t>
             </a:r>
             <a:r>
-              <a:rPr lang="en-GB" altLang="fr-FR" dirty="0" smtClean="0"/>
+              <a:rPr lang="en-GB" altLang="fr-FR" dirty="0"/>
               <a:t> </a:t>
             </a:r>
             <a:r>
-              <a:rPr lang="en-GB" altLang="fr-FR" dirty="0" err="1" smtClean="0"/>
+              <a:rPr lang="en-GB" altLang="fr-FR" dirty="0" err="1"/>
               <a:t>d’échappement</a:t>
             </a:r>
             <a:r>
-              <a:rPr lang="en-GB" altLang="fr-FR" dirty="0" smtClean="0"/>
+              <a:rPr lang="en-GB" altLang="fr-FR" dirty="0"/>
               <a:t> : \</a:t>
             </a:r>
           </a:p>
@@ -6225,10 +6097,9 @@
               </a:lnSpc>
             </a:pPr>
             <a:r>
-              <a:rPr lang="en-GB" altLang="fr-FR" dirty="0" smtClean="0"/>
+              <a:rPr lang="en-GB" altLang="fr-FR" dirty="0"/>
               <a:t>\n \t</a:t>
             </a:r>
-            <a:endParaRPr lang="en-GB" altLang="fr-FR" dirty="0"/>
           </a:p>
           <a:p>
             <a:endParaRPr lang="fr-FR" dirty="0"/>
@@ -6281,10 +6152,9 @@
           <a:lstStyle/>
           <a:p>
             <a:r>
-              <a:rPr lang="fr-FR" dirty="0" smtClean="0"/>
+              <a:rPr lang="fr-FR" dirty="0"/>
               <a:t>Les premières fonctions</a:t>
             </a:r>
-            <a:endParaRPr lang="fr-FR" dirty="0"/>
           </a:p>
         </p:txBody>
       </p:sp>
@@ -6304,24 +6174,24 @@
           <a:lstStyle/>
           <a:p>
             <a:r>
-              <a:rPr lang="fr-FR" dirty="0" smtClean="0"/>
+              <a:rPr lang="fr-FR" dirty="0"/>
               <a:t>Une fonction contient un nom, des paramètres entre parenthèse et un retour</a:t>
             </a:r>
           </a:p>
           <a:p>
             <a:r>
-              <a:rPr lang="fr-FR" dirty="0" err="1" smtClean="0"/>
+              <a:rPr lang="fr-FR" dirty="0" err="1"/>
               <a:t>sqrt</a:t>
             </a:r>
             <a:r>
-              <a:rPr lang="fr-FR" dirty="0" smtClean="0"/>
+              <a:rPr lang="fr-FR" dirty="0"/>
               <a:t>()</a:t>
             </a:r>
           </a:p>
           <a:p>
             <a:pPr lvl="1"/>
             <a:r>
-              <a:rPr lang="fr-FR" dirty="0" smtClean="0"/>
+              <a:rPr lang="fr-FR" dirty="0"/>
               <a:t>Racine carrée</a:t>
             </a:r>
           </a:p>
@@ -6397,10 +6267,9 @@
           <a:lstStyle/>
           <a:p>
             <a:r>
-              <a:rPr lang="fr-FR" dirty="0" smtClean="0"/>
+              <a:rPr lang="fr-FR" dirty="0"/>
               <a:t>Les opérations</a:t>
             </a:r>
-            <a:endParaRPr lang="fr-FR" dirty="0"/>
           </a:p>
         </p:txBody>
       </p:sp>
@@ -6420,35 +6289,35 @@
           <a:lstStyle/>
           <a:p>
             <a:r>
-              <a:rPr lang="fr-FR" dirty="0" smtClean="0"/>
+              <a:rPr lang="fr-FR" dirty="0"/>
               <a:t>Les opérations courantes sont autorisées</a:t>
             </a:r>
           </a:p>
           <a:p>
             <a:pPr lvl="1"/>
             <a:r>
-              <a:rPr lang="fr-FR" dirty="0" smtClean="0"/>
+              <a:rPr lang="fr-FR" dirty="0"/>
               <a:t>+,-,*,/, ==, !=, &lt;,&gt;, &lt;=, &gt;=</a:t>
             </a:r>
           </a:p>
           <a:p>
             <a:pPr lvl="1"/>
             <a:r>
-              <a:rPr lang="fr-FR" dirty="0" smtClean="0"/>
+              <a:rPr lang="fr-FR" dirty="0"/>
               <a:t>/ représente la division</a:t>
             </a:r>
           </a:p>
           <a:p>
             <a:pPr lvl="1"/>
             <a:r>
-              <a:rPr lang="fr-FR" dirty="0" smtClean="0"/>
+              <a:rPr lang="fr-FR" dirty="0"/>
               <a:t>^ représente la puissance</a:t>
             </a:r>
           </a:p>
           <a:p>
             <a:pPr lvl="1"/>
             <a:r>
-              <a:rPr lang="fr-FR" dirty="0" smtClean="0"/>
+              <a:rPr lang="fr-FR" dirty="0"/>
               <a:t>%% représente le reste de la division entière</a:t>
             </a:r>
           </a:p>
@@ -6528,10 +6397,9 @@
           <a:lstStyle/>
           <a:p>
             <a:r>
-              <a:rPr lang="fr-FR" dirty="0" smtClean="0"/>
+              <a:rPr lang="fr-FR" dirty="0"/>
               <a:t>Les types</a:t>
             </a:r>
-            <a:endParaRPr lang="fr-FR" dirty="0"/>
           </a:p>
         </p:txBody>
       </p:sp>
@@ -6551,47 +6419,47 @@
           <a:lstStyle/>
           <a:p>
             <a:r>
-              <a:rPr lang="fr-FR" dirty="0" smtClean="0"/>
+              <a:rPr lang="fr-FR" dirty="0"/>
               <a:t>Une variable simple est de type</a:t>
             </a:r>
           </a:p>
           <a:p>
             <a:pPr lvl="1"/>
             <a:r>
-              <a:rPr lang="fr-FR" dirty="0" smtClean="0"/>
+              <a:rPr lang="fr-FR" dirty="0"/>
               <a:t>Numérique</a:t>
             </a:r>
           </a:p>
           <a:p>
             <a:pPr lvl="1"/>
             <a:r>
-              <a:rPr lang="fr-FR" dirty="0" smtClean="0"/>
+              <a:rPr lang="fr-FR" dirty="0"/>
               <a:t>Textuelle</a:t>
             </a:r>
           </a:p>
           <a:p>
             <a:pPr lvl="1"/>
             <a:r>
-              <a:rPr lang="fr-FR" dirty="0" err="1" smtClean="0"/>
+              <a:rPr lang="fr-FR" dirty="0" err="1"/>
               <a:t>Booléene</a:t>
             </a:r>
-            <a:endParaRPr lang="fr-FR" dirty="0" smtClean="0"/>
-          </a:p>
-          <a:p>
-            <a:endParaRPr lang="fr-FR" dirty="0" smtClean="0"/>
-          </a:p>
-          <a:p>
             <a:endParaRPr lang="fr-FR" dirty="0"/>
           </a:p>
           <a:p>
-            <a:endParaRPr lang="fr-FR" dirty="0" smtClean="0"/>
-          </a:p>
-          <a:p>
             <a:endParaRPr lang="fr-FR" dirty="0"/>
           </a:p>
           <a:p>
-            <a:r>
-              <a:rPr lang="fr-FR" dirty="0" smtClean="0"/>
+            <a:endParaRPr lang="fr-FR" dirty="0"/>
+          </a:p>
+          <a:p>
+            <a:endParaRPr lang="fr-FR" dirty="0"/>
+          </a:p>
+          <a:p>
+            <a:endParaRPr lang="fr-FR" dirty="0"/>
+          </a:p>
+          <a:p>
+            <a:r>
+              <a:rPr lang="fr-FR" dirty="0"/>
               <a:t>Les fonctions is.* permettent de tester le type d'une variable</a:t>
             </a:r>
           </a:p>
